--- a/以太坊教程/课件/4_2_以太坊交易详解.pptx
+++ b/以太坊教程/课件/4_2_以太坊交易详解.pptx
@@ -203,7 +203,7 @@
           <a:p>
             <a:fld id="{31A2A103-01E9-406E-AEF1-210DF53BAA37}" type="datetimeFigureOut">
               <a:rPr lang="zh-CN" altLang="en-US" smtClean="0"/>
-              <a:t>2018/10/24</a:t>
+              <a:t>2018/11/28</a:t>
             </a:fld>
             <a:endParaRPr lang="zh-CN" altLang="en-US"/>
           </a:p>
@@ -1660,7 +1660,7 @@
           <a:p>
             <a:fld id="{530820CF-B880-4189-942D-D702A7CBA730}" type="datetimeFigureOut">
               <a:rPr lang="zh-CN" altLang="en-US" smtClean="0"/>
-              <a:t>2018/10/24</a:t>
+              <a:t>2018/11/28</a:t>
             </a:fld>
             <a:endParaRPr lang="zh-CN" altLang="en-US"/>
           </a:p>
@@ -1825,7 +1825,7 @@
           <a:p>
             <a:fld id="{530820CF-B880-4189-942D-D702A7CBA730}" type="datetimeFigureOut">
               <a:rPr lang="zh-CN" altLang="en-US" smtClean="0"/>
-              <a:t>2018/10/24</a:t>
+              <a:t>2018/11/28</a:t>
             </a:fld>
             <a:endParaRPr lang="zh-CN" altLang="en-US"/>
           </a:p>
@@ -2000,7 +2000,7 @@
           <a:p>
             <a:fld id="{530820CF-B880-4189-942D-D702A7CBA730}" type="datetimeFigureOut">
               <a:rPr lang="zh-CN" altLang="en-US" smtClean="0"/>
-              <a:t>2018/10/24</a:t>
+              <a:t>2018/11/28</a:t>
             </a:fld>
             <a:endParaRPr lang="zh-CN" altLang="en-US"/>
           </a:p>
@@ -2165,7 +2165,7 @@
           <a:p>
             <a:fld id="{530820CF-B880-4189-942D-D702A7CBA730}" type="datetimeFigureOut">
               <a:rPr lang="zh-CN" altLang="en-US" smtClean="0"/>
-              <a:t>2018/10/24</a:t>
+              <a:t>2018/11/28</a:t>
             </a:fld>
             <a:endParaRPr lang="zh-CN" altLang="en-US"/>
           </a:p>
@@ -2406,7 +2406,7 @@
           <a:p>
             <a:fld id="{530820CF-B880-4189-942D-D702A7CBA730}" type="datetimeFigureOut">
               <a:rPr lang="zh-CN" altLang="en-US" smtClean="0"/>
-              <a:t>2018/10/24</a:t>
+              <a:t>2018/11/28</a:t>
             </a:fld>
             <a:endParaRPr lang="zh-CN" altLang="en-US"/>
           </a:p>
@@ -2689,7 +2689,7 @@
           <a:p>
             <a:fld id="{530820CF-B880-4189-942D-D702A7CBA730}" type="datetimeFigureOut">
               <a:rPr lang="zh-CN" altLang="en-US" smtClean="0"/>
-              <a:t>2018/10/24</a:t>
+              <a:t>2018/11/28</a:t>
             </a:fld>
             <a:endParaRPr lang="zh-CN" altLang="en-US"/>
           </a:p>
@@ -3106,7 +3106,7 @@
           <a:p>
             <a:fld id="{530820CF-B880-4189-942D-D702A7CBA730}" type="datetimeFigureOut">
               <a:rPr lang="zh-CN" altLang="en-US" smtClean="0"/>
-              <a:t>2018/10/24</a:t>
+              <a:t>2018/11/28</a:t>
             </a:fld>
             <a:endParaRPr lang="zh-CN" altLang="en-US"/>
           </a:p>
@@ -3219,7 +3219,7 @@
           <a:p>
             <a:fld id="{530820CF-B880-4189-942D-D702A7CBA730}" type="datetimeFigureOut">
               <a:rPr lang="zh-CN" altLang="en-US" smtClean="0"/>
-              <a:t>2018/10/24</a:t>
+              <a:t>2018/11/28</a:t>
             </a:fld>
             <a:endParaRPr lang="zh-CN" altLang="en-US"/>
           </a:p>
@@ -3309,7 +3309,7 @@
           <a:p>
             <a:fld id="{530820CF-B880-4189-942D-D702A7CBA730}" type="datetimeFigureOut">
               <a:rPr lang="zh-CN" altLang="en-US" smtClean="0"/>
-              <a:t>2018/10/24</a:t>
+              <a:t>2018/11/28</a:t>
             </a:fld>
             <a:endParaRPr lang="zh-CN" altLang="en-US"/>
           </a:p>
@@ -3581,7 +3581,7 @@
           <a:p>
             <a:fld id="{530820CF-B880-4189-942D-D702A7CBA730}" type="datetimeFigureOut">
               <a:rPr lang="zh-CN" altLang="en-US" smtClean="0"/>
-              <a:t>2018/10/24</a:t>
+              <a:t>2018/11/28</a:t>
             </a:fld>
             <a:endParaRPr lang="zh-CN" altLang="en-US"/>
           </a:p>
@@ -3829,7 +3829,7 @@
           <a:p>
             <a:fld id="{530820CF-B880-4189-942D-D702A7CBA730}" type="datetimeFigureOut">
               <a:rPr lang="zh-CN" altLang="en-US" smtClean="0"/>
-              <a:t>2018/10/24</a:t>
+              <a:t>2018/11/28</a:t>
             </a:fld>
             <a:endParaRPr lang="zh-CN" altLang="en-US"/>
           </a:p>
@@ -3889,9 +3889,18 @@
 <p:sldMaster xmlns:a="http://schemas.openxmlformats.org/drawingml/2006/main" xmlns:r="http://schemas.openxmlformats.org/officeDocument/2006/relationships" xmlns:p="http://schemas.openxmlformats.org/presentationml/2006/main">
   <p:cSld>
     <p:bg>
-      <p:bgRef idx="1001">
-        <a:schemeClr val="bg1"/>
-      </p:bgRef>
+      <p:bgPr>
+        <a:blipFill dpi="0" rotWithShape="1">
+          <a:blip r:embed="rId13">
+            <a:lum/>
+          </a:blip>
+          <a:srcRect/>
+          <a:stretch>
+            <a:fillRect/>
+          </a:stretch>
+        </a:blipFill>
+        <a:effectLst/>
+      </p:bgPr>
     </p:bg>
     <p:spTree>
       <p:nvGrpSpPr>
@@ -4037,7 +4046,7 @@
           <a:p>
             <a:fld id="{530820CF-B880-4189-942D-D702A7CBA730}" type="datetimeFigureOut">
               <a:rPr lang="zh-CN" altLang="en-US" smtClean="0"/>
-              <a:t>2018/10/24</a:t>
+              <a:t>2018/11/28</a:t>
             </a:fld>
             <a:endParaRPr lang="zh-CN" altLang="en-US"/>
           </a:p>
@@ -4545,41 +4554,48 @@
             <p:ph type="title"/>
           </p:nvPr>
         </p:nvSpPr>
-        <p:spPr/>
-        <p:txBody>
-          <a:bodyPr/>
+        <p:spPr>
+          <a:xfrm>
+            <a:off x="457200" y="485800"/>
+            <a:ext cx="8229600" cy="1143000"/>
+          </a:xfrm>
+        </p:spPr>
+        <p:txBody>
+          <a:bodyPr>
+            <a:normAutofit/>
+          </a:bodyPr>
           <a:lstStyle/>
           <a:p>
             <a:pPr algn="l"/>
             <a:r>
-              <a:rPr lang="zh-CN" altLang="en-US" dirty="0" smtClean="0">
+              <a:rPr lang="zh-CN" altLang="en-US" sz="3600" dirty="0" smtClean="0">
                 <a:latin typeface="微软雅黑 Light" pitchFamily="34" charset="-122"/>
                 <a:ea typeface="微软雅黑 Light" pitchFamily="34" charset="-122"/>
               </a:rPr>
               <a:t>  向 </a:t>
             </a:r>
             <a:r>
-              <a:rPr lang="en-US" altLang="zh-CN" dirty="0" smtClean="0">
+              <a:rPr lang="en-US" altLang="zh-CN" sz="3600" dirty="0" smtClean="0">
                 <a:latin typeface="微软雅黑 Light" pitchFamily="34" charset="-122"/>
                 <a:ea typeface="微软雅黑 Light" pitchFamily="34" charset="-122"/>
               </a:rPr>
               <a:t>EOA </a:t>
             </a:r>
             <a:r>
-              <a:rPr lang="zh-CN" altLang="en-US" dirty="0" smtClean="0">
+              <a:rPr lang="zh-CN" altLang="en-US" sz="3600" dirty="0" smtClean="0">
                 <a:latin typeface="微软雅黑 Light" pitchFamily="34" charset="-122"/>
                 <a:ea typeface="微软雅黑 Light" pitchFamily="34" charset="-122"/>
               </a:rPr>
               <a:t>或合约传递 </a:t>
             </a:r>
             <a:r>
-              <a:rPr lang="en-US" altLang="zh-CN" dirty="0" smtClean="0">
+              <a:rPr lang="en-US" altLang="zh-CN" sz="3600" dirty="0" smtClean="0">
                 <a:latin typeface="微软雅黑 Light" pitchFamily="34" charset="-122"/>
                 <a:ea typeface="微软雅黑 Light" pitchFamily="34" charset="-122"/>
               </a:rPr>
               <a:t>data</a:t>
             </a:r>
-            <a:endParaRPr lang="zh-CN" altLang="en-US" dirty="0">
+            <a:endParaRPr lang="zh-CN" altLang="en-US" sz="3600" dirty="0">
               <a:latin typeface="微软雅黑 Light" pitchFamily="34" charset="-122"/>
               <a:ea typeface="微软雅黑 Light" pitchFamily="34" charset="-122"/>
             </a:endParaRPr>
@@ -4887,7 +4903,12 @@
             <p:ph type="title"/>
           </p:nvPr>
         </p:nvSpPr>
-        <p:spPr/>
+        <p:spPr>
+          <a:xfrm>
+            <a:off x="457200" y="485800"/>
+            <a:ext cx="8229600" cy="1143000"/>
+          </a:xfrm>
+        </p:spPr>
         <p:txBody>
           <a:bodyPr>
             <a:normAutofit/>
@@ -4896,13 +4917,13 @@
           <a:p>
             <a:pPr algn="l"/>
             <a:r>
-              <a:rPr lang="zh-CN" altLang="en-US" dirty="0" smtClean="0">
+              <a:rPr lang="zh-CN" altLang="en-US" sz="3600" dirty="0" smtClean="0">
                 <a:latin typeface="微软雅黑 Light" pitchFamily="34" charset="-122"/>
                 <a:ea typeface="微软雅黑 Light" pitchFamily="34" charset="-122"/>
               </a:rPr>
               <a:t>  特殊交易：创建（部署）合约</a:t>
             </a:r>
-            <a:endParaRPr lang="zh-CN" altLang="en-US" dirty="0">
+            <a:endParaRPr lang="zh-CN" altLang="en-US" sz="3600" dirty="0">
               <a:latin typeface="微软雅黑 Light" pitchFamily="34" charset="-122"/>
               <a:ea typeface="微软雅黑 Light" pitchFamily="34" charset="-122"/>
             </a:endParaRPr>
@@ -5196,20 +5217,27 @@
             <p:ph type="title"/>
           </p:nvPr>
         </p:nvSpPr>
-        <p:spPr/>
-        <p:txBody>
-          <a:bodyPr/>
+        <p:spPr>
+          <a:xfrm>
+            <a:off x="457200" y="485800"/>
+            <a:ext cx="8229600" cy="1143000"/>
+          </a:xfrm>
+        </p:spPr>
+        <p:txBody>
+          <a:bodyPr>
+            <a:normAutofit/>
+          </a:bodyPr>
           <a:lstStyle/>
           <a:p>
             <a:pPr algn="l"/>
             <a:r>
-              <a:rPr lang="zh-CN" altLang="en-US" dirty="0" smtClean="0">
+              <a:rPr lang="zh-CN" altLang="en-US" sz="3600" dirty="0" smtClean="0">
                 <a:latin typeface="微软雅黑 Light" pitchFamily="34" charset="-122"/>
                 <a:ea typeface="微软雅黑 Light" pitchFamily="34" charset="-122"/>
               </a:rPr>
               <a:t>  交易的本质</a:t>
             </a:r>
-            <a:endParaRPr lang="zh-CN" altLang="en-US" dirty="0">
+            <a:endParaRPr lang="zh-CN" altLang="en-US" sz="3600" dirty="0">
               <a:latin typeface="微软雅黑 Light" pitchFamily="34" charset="-122"/>
               <a:ea typeface="微软雅黑 Light" pitchFamily="34" charset="-122"/>
             </a:endParaRPr>
@@ -5410,20 +5438,27 @@
             <p:ph type="title"/>
           </p:nvPr>
         </p:nvSpPr>
-        <p:spPr/>
-        <p:txBody>
-          <a:bodyPr/>
+        <p:spPr>
+          <a:xfrm>
+            <a:off x="457200" y="485800"/>
+            <a:ext cx="8229600" cy="1143000"/>
+          </a:xfrm>
+        </p:spPr>
+        <p:txBody>
+          <a:bodyPr>
+            <a:normAutofit/>
+          </a:bodyPr>
           <a:lstStyle/>
           <a:p>
             <a:pPr algn="l"/>
             <a:r>
-              <a:rPr lang="zh-CN" altLang="en-US" dirty="0" smtClean="0">
+              <a:rPr lang="zh-CN" altLang="en-US" sz="3600" dirty="0" smtClean="0">
                 <a:latin typeface="微软雅黑 Light" pitchFamily="34" charset="-122"/>
                 <a:ea typeface="微软雅黑 Light" pitchFamily="34" charset="-122"/>
               </a:rPr>
               <a:t>  交易数据结构</a:t>
             </a:r>
-            <a:endParaRPr lang="zh-CN" altLang="en-US" dirty="0">
+            <a:endParaRPr lang="zh-CN" altLang="en-US" sz="3600" dirty="0">
               <a:latin typeface="微软雅黑 Light" pitchFamily="34" charset="-122"/>
               <a:ea typeface="微软雅黑 Light" pitchFamily="34" charset="-122"/>
             </a:endParaRPr>
@@ -5743,27 +5778,34 @@
             <p:ph type="title"/>
           </p:nvPr>
         </p:nvSpPr>
-        <p:spPr/>
-        <p:txBody>
-          <a:bodyPr/>
+        <p:spPr>
+          <a:xfrm>
+            <a:off x="457200" y="485800"/>
+            <a:ext cx="8229600" cy="1143000"/>
+          </a:xfrm>
+        </p:spPr>
+        <p:txBody>
+          <a:bodyPr>
+            <a:normAutofit/>
+          </a:bodyPr>
           <a:lstStyle/>
           <a:p>
             <a:pPr algn="l"/>
             <a:r>
-              <a:rPr lang="zh-CN" altLang="en-US" dirty="0" smtClean="0">
+              <a:rPr lang="zh-CN" altLang="en-US" sz="3600" dirty="0" smtClean="0">
                 <a:latin typeface="微软雅黑 Light" pitchFamily="34" charset="-122"/>
                 <a:ea typeface="微软雅黑 Light" pitchFamily="34" charset="-122"/>
               </a:rPr>
               <a:t>  交易中的</a:t>
             </a:r>
             <a:r>
-              <a:rPr lang="en-US" altLang="zh-CN" dirty="0" smtClean="0">
+              <a:rPr lang="en-US" altLang="zh-CN" sz="3600" dirty="0" smtClean="0">
                 <a:latin typeface="微软雅黑 Light" pitchFamily="34" charset="-122"/>
                 <a:ea typeface="微软雅黑 Light" pitchFamily="34" charset="-122"/>
               </a:rPr>
               <a:t>nonce</a:t>
             </a:r>
-            <a:endParaRPr lang="zh-CN" altLang="en-US" dirty="0">
+            <a:endParaRPr lang="zh-CN" altLang="en-US" sz="3600" dirty="0">
               <a:latin typeface="微软雅黑 Light" pitchFamily="34" charset="-122"/>
               <a:ea typeface="微软雅黑 Light" pitchFamily="34" charset="-122"/>
             </a:endParaRPr>
@@ -5975,27 +6017,34 @@
             <p:ph type="title"/>
           </p:nvPr>
         </p:nvSpPr>
-        <p:spPr/>
-        <p:txBody>
-          <a:bodyPr/>
+        <p:spPr>
+          <a:xfrm>
+            <a:off x="457200" y="485800"/>
+            <a:ext cx="8229600" cy="1143000"/>
+          </a:xfrm>
+        </p:spPr>
+        <p:txBody>
+          <a:bodyPr>
+            <a:normAutofit/>
+          </a:bodyPr>
           <a:lstStyle/>
           <a:p>
             <a:pPr algn="l"/>
             <a:r>
-              <a:rPr lang="zh-CN" altLang="en-US" dirty="0" smtClean="0">
+              <a:rPr lang="zh-CN" altLang="en-US" sz="3600" dirty="0" smtClean="0">
                 <a:latin typeface="微软雅黑 Light" pitchFamily="34" charset="-122"/>
                 <a:ea typeface="微软雅黑 Light" pitchFamily="34" charset="-122"/>
               </a:rPr>
               <a:t>  并发和</a:t>
             </a:r>
             <a:r>
-              <a:rPr lang="en-US" altLang="zh-CN" dirty="0" smtClean="0">
+              <a:rPr lang="en-US" altLang="zh-CN" sz="3600" dirty="0" smtClean="0">
                 <a:latin typeface="微软雅黑 Light" pitchFamily="34" charset="-122"/>
                 <a:ea typeface="微软雅黑 Light" pitchFamily="34" charset="-122"/>
               </a:rPr>
               <a:t>nonce</a:t>
             </a:r>
-            <a:endParaRPr lang="zh-CN" altLang="en-US" dirty="0">
+            <a:endParaRPr lang="zh-CN" altLang="en-US" sz="3600" dirty="0">
               <a:latin typeface="微软雅黑 Light" pitchFamily="34" charset="-122"/>
               <a:ea typeface="微软雅黑 Light" pitchFamily="34" charset="-122"/>
             </a:endParaRPr>
@@ -6204,27 +6253,34 @@
             <p:ph type="title"/>
           </p:nvPr>
         </p:nvSpPr>
-        <p:spPr/>
-        <p:txBody>
-          <a:bodyPr/>
+        <p:spPr>
+          <a:xfrm>
+            <a:off x="457200" y="485800"/>
+            <a:ext cx="8229600" cy="1143000"/>
+          </a:xfrm>
+        </p:spPr>
+        <p:txBody>
+          <a:bodyPr>
+            <a:normAutofit/>
+          </a:bodyPr>
           <a:lstStyle/>
           <a:p>
             <a:pPr algn="l"/>
             <a:r>
-              <a:rPr lang="zh-CN" altLang="en-US" dirty="0" smtClean="0">
+              <a:rPr lang="zh-CN" altLang="en-US" sz="3600" dirty="0" smtClean="0">
                 <a:latin typeface="微软雅黑 Light" pitchFamily="34" charset="-122"/>
                 <a:ea typeface="微软雅黑 Light" pitchFamily="34" charset="-122"/>
               </a:rPr>
               <a:t>  交易中的</a:t>
             </a:r>
             <a:r>
-              <a:rPr lang="en-US" altLang="zh-CN" dirty="0" smtClean="0">
+              <a:rPr lang="en-US" altLang="zh-CN" sz="3600" dirty="0" smtClean="0">
                 <a:latin typeface="微软雅黑 Light" pitchFamily="34" charset="-122"/>
                 <a:ea typeface="微软雅黑 Light" pitchFamily="34" charset="-122"/>
               </a:rPr>
               <a:t>gas</a:t>
             </a:r>
-            <a:endParaRPr lang="zh-CN" altLang="en-US" dirty="0">
+            <a:endParaRPr lang="zh-CN" altLang="en-US" sz="3600" dirty="0">
               <a:latin typeface="微软雅黑 Light" pitchFamily="34" charset="-122"/>
               <a:ea typeface="微软雅黑 Light" pitchFamily="34" charset="-122"/>
             </a:endParaRPr>
@@ -6624,11 +6680,7 @@
             </a:r>
             <a:r>
               <a:rPr lang="en-US" altLang="zh-CN" sz="2000" smtClean="0"/>
-              <a:t> </a:t>
-            </a:r>
-            <a:r>
-              <a:rPr lang="en-US" altLang="zh-CN" sz="2000" smtClean="0"/>
-              <a:t>gas</a:t>
+              <a:t> gas</a:t>
             </a:r>
             <a:r>
               <a:rPr lang="zh-CN" altLang="zh-CN" sz="2000" dirty="0" smtClean="0"/>
@@ -6705,34 +6757,41 @@
             <p:ph type="title"/>
           </p:nvPr>
         </p:nvSpPr>
-        <p:spPr/>
-        <p:txBody>
-          <a:bodyPr/>
+        <p:spPr>
+          <a:xfrm>
+            <a:off x="457200" y="485800"/>
+            <a:ext cx="8229600" cy="1143000"/>
+          </a:xfrm>
+        </p:spPr>
+        <p:txBody>
+          <a:bodyPr>
+            <a:normAutofit/>
+          </a:bodyPr>
           <a:lstStyle/>
           <a:p>
             <a:pPr algn="l"/>
             <a:r>
-              <a:rPr lang="zh-CN" altLang="en-US" dirty="0" smtClean="0">
+              <a:rPr lang="zh-CN" altLang="en-US" sz="3600" dirty="0" smtClean="0">
                 <a:latin typeface="微软雅黑 Light" pitchFamily="34" charset="-122"/>
                 <a:ea typeface="微软雅黑 Light" pitchFamily="34" charset="-122"/>
               </a:rPr>
               <a:t>  </a:t>
             </a:r>
             <a:r>
-              <a:rPr lang="en-US" altLang="zh-CN" dirty="0" smtClean="0">
+              <a:rPr lang="en-US" altLang="zh-CN" sz="3600" dirty="0" smtClean="0">
                 <a:latin typeface="微软雅黑 Light" pitchFamily="34" charset="-122"/>
                 <a:ea typeface="微软雅黑 Light" pitchFamily="34" charset="-122"/>
               </a:rPr>
               <a:t>gas</a:t>
             </a:r>
             <a:r>
-              <a:rPr lang="zh-CN" altLang="en-US" dirty="0" smtClean="0">
+              <a:rPr lang="zh-CN" altLang="en-US" sz="3600" dirty="0" smtClean="0">
                 <a:latin typeface="微软雅黑 Light" pitchFamily="34" charset="-122"/>
                 <a:ea typeface="微软雅黑 Light" pitchFamily="34" charset="-122"/>
               </a:rPr>
               <a:t>的计算</a:t>
             </a:r>
-            <a:endParaRPr lang="zh-CN" altLang="en-US" dirty="0">
+            <a:endParaRPr lang="zh-CN" altLang="en-US" sz="3600" dirty="0">
               <a:latin typeface="微软雅黑 Light" pitchFamily="34" charset="-122"/>
               <a:ea typeface="微软雅黑 Light" pitchFamily="34" charset="-122"/>
             </a:endParaRPr>
@@ -7005,34 +7064,41 @@
             <p:ph type="title"/>
           </p:nvPr>
         </p:nvSpPr>
-        <p:spPr/>
-        <p:txBody>
-          <a:bodyPr/>
+        <p:spPr>
+          <a:xfrm>
+            <a:off x="457200" y="485800"/>
+            <a:ext cx="8229600" cy="1143000"/>
+          </a:xfrm>
+        </p:spPr>
+        <p:txBody>
+          <a:bodyPr>
+            <a:normAutofit/>
+          </a:bodyPr>
           <a:lstStyle/>
           <a:p>
             <a:pPr algn="l"/>
             <a:r>
-              <a:rPr lang="zh-CN" altLang="en-US" dirty="0" smtClean="0">
+              <a:rPr lang="zh-CN" altLang="en-US" sz="3600" dirty="0" smtClean="0">
                 <a:latin typeface="微软雅黑 Light" pitchFamily="34" charset="-122"/>
                 <a:ea typeface="微软雅黑 Light" pitchFamily="34" charset="-122"/>
               </a:rPr>
               <a:t>  交易的接收者（</a:t>
             </a:r>
             <a:r>
-              <a:rPr lang="en-US" altLang="zh-CN" dirty="0" smtClean="0">
+              <a:rPr lang="en-US" altLang="zh-CN" sz="3600" dirty="0" smtClean="0">
                 <a:latin typeface="微软雅黑 Light" pitchFamily="34" charset="-122"/>
                 <a:ea typeface="微软雅黑 Light" pitchFamily="34" charset="-122"/>
               </a:rPr>
               <a:t>to</a:t>
             </a:r>
             <a:r>
-              <a:rPr lang="zh-CN" altLang="en-US" dirty="0" smtClean="0">
+              <a:rPr lang="zh-CN" altLang="en-US" sz="3600" dirty="0" smtClean="0">
                 <a:latin typeface="微软雅黑 Light" pitchFamily="34" charset="-122"/>
                 <a:ea typeface="微软雅黑 Light" pitchFamily="34" charset="-122"/>
               </a:rPr>
               <a:t>）</a:t>
             </a:r>
-            <a:endParaRPr lang="zh-CN" altLang="en-US" dirty="0">
+            <a:endParaRPr lang="zh-CN" altLang="en-US" sz="3600" dirty="0">
               <a:latin typeface="微软雅黑 Light" pitchFamily="34" charset="-122"/>
               <a:ea typeface="微软雅黑 Light" pitchFamily="34" charset="-122"/>
             </a:endParaRPr>
@@ -7265,41 +7331,48 @@
             <p:ph type="title"/>
           </p:nvPr>
         </p:nvSpPr>
-        <p:spPr/>
-        <p:txBody>
-          <a:bodyPr/>
+        <p:spPr>
+          <a:xfrm>
+            <a:off x="457200" y="485800"/>
+            <a:ext cx="8229600" cy="1143000"/>
+          </a:xfrm>
+        </p:spPr>
+        <p:txBody>
+          <a:bodyPr>
+            <a:normAutofit/>
+          </a:bodyPr>
           <a:lstStyle/>
           <a:p>
             <a:pPr algn="l"/>
             <a:r>
-              <a:rPr lang="zh-CN" altLang="en-US" dirty="0" smtClean="0">
+              <a:rPr lang="zh-CN" altLang="en-US" sz="3600" dirty="0" smtClean="0">
                 <a:latin typeface="微软雅黑 Light" pitchFamily="34" charset="-122"/>
                 <a:ea typeface="微软雅黑 Light" pitchFamily="34" charset="-122"/>
               </a:rPr>
               <a:t>  交易的 </a:t>
             </a:r>
             <a:r>
-              <a:rPr lang="en-US" altLang="zh-CN" dirty="0" smtClean="0">
+              <a:rPr lang="en-US" altLang="zh-CN" sz="3600" dirty="0" smtClean="0">
                 <a:latin typeface="微软雅黑 Light" pitchFamily="34" charset="-122"/>
                 <a:ea typeface="微软雅黑 Light" pitchFamily="34" charset="-122"/>
               </a:rPr>
               <a:t>value </a:t>
             </a:r>
             <a:r>
-              <a:rPr lang="zh-CN" altLang="en-US" dirty="0" smtClean="0">
+              <a:rPr lang="zh-CN" altLang="en-US" sz="3600" dirty="0" smtClean="0">
                 <a:latin typeface="微软雅黑 Light" pitchFamily="34" charset="-122"/>
                 <a:ea typeface="微软雅黑 Light" pitchFamily="34" charset="-122"/>
               </a:rPr>
               <a:t>和 </a:t>
             </a:r>
             <a:r>
-              <a:rPr lang="en-US" altLang="zh-CN" dirty="0" smtClean="0">
+              <a:rPr lang="en-US" altLang="zh-CN" sz="3600" dirty="0" smtClean="0">
                 <a:latin typeface="微软雅黑 Light" pitchFamily="34" charset="-122"/>
                 <a:ea typeface="微软雅黑 Light" pitchFamily="34" charset="-122"/>
               </a:rPr>
               <a:t>data</a:t>
             </a:r>
-            <a:endParaRPr lang="zh-CN" altLang="en-US" dirty="0">
+            <a:endParaRPr lang="zh-CN" altLang="en-US" sz="3600" dirty="0">
               <a:latin typeface="微软雅黑 Light" pitchFamily="34" charset="-122"/>
               <a:ea typeface="微软雅黑 Light" pitchFamily="34" charset="-122"/>
             </a:endParaRPr>
